--- a/Forecasting 311.pptx
+++ b/Forecasting 311.pptx
@@ -13,12 +13,10 @@
     <p:sldId id="262" r:id="rId7"/>
     <p:sldId id="263" r:id="rId8"/>
     <p:sldId id="264" r:id="rId9"/>
-    <p:sldId id="267" r:id="rId10"/>
-    <p:sldId id="268" r:id="rId11"/>
-    <p:sldId id="269" r:id="rId12"/>
-    <p:sldId id="270" r:id="rId13"/>
-    <p:sldId id="271" r:id="rId14"/>
-    <p:sldId id="272" r:id="rId15"/>
+    <p:sldId id="269" r:id="rId10"/>
+    <p:sldId id="270" r:id="rId11"/>
+    <p:sldId id="267" r:id="rId12"/>
+    <p:sldId id="275" r:id="rId13"/>
   </p:sldIdLst>
   <p:sldSz cx="12192000" cy="6858000"/>
   <p:notesSz cx="7315200" cy="9601200"/>
@@ -117,6 +115,11 @@
       </a:defRPr>
     </a:lvl9pPr>
   </p:defaultTextStyle>
+  <p:extLst>
+    <p:ext uri="{EFAFB233-063F-42B5-8137-9DF3F51BA10A}">
+      <p15:sldGuideLst xmlns:p15="http://schemas.microsoft.com/office/powerpoint/2012/main"/>
+    </p:ext>
+  </p:extLst>
 </p:presentation>
 </file>
 
@@ -265,7 +268,7 @@
           <a:p>
             <a:fld id="{759D69B9-26CA-4264-9814-CC51847FE9C8}" type="datetimeFigureOut">
               <a:rPr lang="en-US" smtClean="0"/>
-              <a:t>5/23/2024</a:t>
+              <a:t>5/25/2024</a:t>
             </a:fld>
             <a:endParaRPr lang="en-US"/>
           </a:p>
@@ -467,23 +470,6 @@
           </a:lstStyle>
           <a:p>
             <a:pPr algn="ctr"/>
-            <a:r>
-              <a:rPr lang="en-US" sz="4800" dirty="0" smtClean="0">
-                <a:ln w="3175">
-                  <a:solidFill>
-                    <a:schemeClr val="bg1">
-                      <a:lumMod val="75000"/>
-                    </a:schemeClr>
-                  </a:solidFill>
-                </a:ln>
-                <a:solidFill>
-                  <a:schemeClr val="bg1"/>
-                </a:solidFill>
-                <a:latin typeface="Gill Sans MT" panose="020B0502020104020203" pitchFamily="34" charset="0"/>
-                <a:ea typeface="Roboto" panose="02000000000000000000" pitchFamily="2" charset="0"/>
-              </a:rPr>
-              <a:t>HEADING</a:t>
-            </a:r>
             <a:endParaRPr lang="en-US" sz="4800" dirty="0">
               <a:ln w="3175">
                 <a:solidFill>
@@ -1043,29 +1029,6 @@
           </a:p>
         </p:txBody>
       </p:sp>
-      <p:pic>
-        <p:nvPicPr>
-          <p:cNvPr id="5" name="Picture 4"/>
-          <p:cNvPicPr>
-            <a:picLocks noChangeAspect="1"/>
-          </p:cNvPicPr>
-          <p:nvPr/>
-        </p:nvPicPr>
-        <p:blipFill rotWithShape="1">
-          <a:blip r:embed="rId3"/>
-          <a:srcRect l="2441" t="3133" r="1380" b="-2258"/>
-          <a:stretch/>
-        </p:blipFill>
-        <p:spPr>
-          <a:xfrm>
-            <a:off x="228600" y="274320"/>
-            <a:ext cx="813816" cy="822960"/>
-          </a:xfrm>
-          <a:prstGeom prst="rect">
-            <a:avLst/>
-          </a:prstGeom>
-        </p:spPr>
-      </p:pic>
     </p:spTree>
     <p:extLst>
       <p:ext uri="{BB962C8B-B14F-4D97-AF65-F5344CB8AC3E}">
@@ -1113,90 +1076,7 @@
       </p:grpSpPr>
       <p:sp>
         <p:nvSpPr>
-          <p:cNvPr id="2" name="Title 1"/>
-          <p:cNvSpPr>
-            <a:spLocks noGrp="1"/>
-          </p:cNvSpPr>
-          <p:nvPr>
-            <p:ph type="title" idx="4294967295"/>
-          </p:nvPr>
-        </p:nvSpPr>
-        <p:spPr>
-          <a:xfrm>
-            <a:off x="1117600" y="3171825"/>
-            <a:ext cx="10579100" cy="1069975"/>
-          </a:xfrm>
-          <a:prstGeom prst="rect">
-            <a:avLst/>
-          </a:prstGeom>
-        </p:spPr>
-        <p:txBody>
-          <a:bodyPr>
-            <a:normAutofit/>
-          </a:bodyPr>
-          <a:lstStyle/>
-          <a:p>
-            <a:r>
-              <a:rPr lang="en-US" dirty="0" smtClean="0">
-                <a:latin typeface="Roboto" panose="02000000000000000000" pitchFamily="2" charset="0"/>
-                <a:ea typeface="Roboto" panose="02000000000000000000" pitchFamily="2" charset="0"/>
-              </a:rPr>
-              <a:t>Further Inquiry</a:t>
-            </a:r>
-            <a:endParaRPr lang="en-US" dirty="0">
-              <a:latin typeface="Roboto" panose="02000000000000000000" pitchFamily="2" charset="0"/>
-              <a:ea typeface="Roboto" panose="02000000000000000000" pitchFamily="2" charset="0"/>
-            </a:endParaRPr>
-          </a:p>
-        </p:txBody>
-      </p:sp>
-      <p:sp>
-        <p:nvSpPr>
-          <p:cNvPr id="3" name="TextBox 2"/>
-          <p:cNvSpPr txBox="1"/>
-          <p:nvPr/>
-        </p:nvSpPr>
-        <p:spPr>
-          <a:xfrm>
-            <a:off x="1397000" y="4419600"/>
-            <a:ext cx="7607300" cy="1200329"/>
-          </a:xfrm>
-          <a:prstGeom prst="rect">
-            <a:avLst/>
-          </a:prstGeom>
-          <a:noFill/>
-        </p:spPr>
-        <p:txBody>
-          <a:bodyPr wrap="square" rtlCol="0">
-            <a:spAutoFit/>
-          </a:bodyPr>
-          <a:lstStyle/>
-          <a:p>
-            <a:r>
-              <a:rPr lang="en-US" dirty="0" smtClean="0"/>
-              <a:t>Reporting bias – careful with policy</a:t>
-            </a:r>
-          </a:p>
-          <a:p>
-            <a:r>
-              <a:rPr lang="en-US" dirty="0" smtClean="0"/>
-              <a:t>Underlying seasonality</a:t>
-            </a:r>
-          </a:p>
-          <a:p>
-            <a:r>
-              <a:rPr lang="en-US" dirty="0" smtClean="0"/>
-              <a:t>Geographic – Type patterns</a:t>
-            </a:r>
-          </a:p>
-          <a:p>
-            <a:endParaRPr lang="en-US" dirty="0"/>
-          </a:p>
-        </p:txBody>
-      </p:sp>
-      <p:sp>
-        <p:nvSpPr>
-          <p:cNvPr id="5" name="Title 1"/>
+          <p:cNvPr id="4" name="Title 1"/>
           <p:cNvSpPr txBox="1">
             <a:spLocks/>
           </p:cNvSpPr>
@@ -1257,7 +1137,7 @@
                 <a:latin typeface="Gill Sans MT" panose="020B0502020104020203" pitchFamily="34" charset="0"/>
                 <a:ea typeface="Roboto" panose="02000000000000000000" pitchFamily="2" charset="0"/>
               </a:rPr>
-              <a:t>HEADING</a:t>
+              <a:t>Monthly Forecasting</a:t>
             </a:r>
             <a:endParaRPr lang="en-US" sz="4800" dirty="0">
               <a:ln w="3175">
@@ -1279,7 +1159,7 @@
     </p:spTree>
     <p:extLst>
       <p:ext uri="{BB962C8B-B14F-4D97-AF65-F5344CB8AC3E}">
-        <p14:creationId xmlns:p14="http://schemas.microsoft.com/office/powerpoint/2010/main" val="171851776"/>
+        <p14:creationId xmlns:p14="http://schemas.microsoft.com/office/powerpoint/2010/main" val="3784014980"/>
       </p:ext>
     </p:extLst>
   </p:cSld>
@@ -1321,10 +1201,429 @@
           <a:chExt cx="0" cy="0"/>
         </a:xfrm>
       </p:grpSpPr>
+      <p:sp>
+        <p:nvSpPr>
+          <p:cNvPr id="5" name="Title 1"/>
+          <p:cNvSpPr txBox="1">
+            <a:spLocks/>
+          </p:cNvSpPr>
+          <p:nvPr/>
+        </p:nvSpPr>
+        <p:spPr>
+          <a:xfrm>
+            <a:off x="0" y="0"/>
+            <a:ext cx="12192000" cy="1076377"/>
+          </a:xfrm>
+          <a:prstGeom prst="rect">
+            <a:avLst/>
+          </a:prstGeom>
+          <a:solidFill>
+            <a:srgbClr val="2E2A4F"/>
+          </a:solidFill>
+          <a:ln w="3175">
+            <a:noFill/>
+          </a:ln>
+        </p:spPr>
+        <p:txBody>
+          <a:bodyPr vert="horz" lIns="91440" tIns="45720" rIns="91440" bIns="45720" rtlCol="0" anchor="ctr">
+            <a:normAutofit/>
+          </a:bodyPr>
+          <a:lstStyle>
+            <a:lvl1pPr algn="l" defTabSz="914400" rtl="0" eaLnBrk="1" latinLnBrk="0" hangingPunct="1">
+              <a:lnSpc>
+                <a:spcPct val="90000"/>
+              </a:lnSpc>
+              <a:spcBef>
+                <a:spcPct val="0"/>
+              </a:spcBef>
+              <a:buNone/>
+              <a:defRPr sz="4400" kern="1200">
+                <a:solidFill>
+                  <a:schemeClr val="tx1"/>
+                </a:solidFill>
+                <a:latin typeface="+mj-lt"/>
+                <a:ea typeface="+mj-ea"/>
+                <a:cs typeface="+mj-cs"/>
+              </a:defRPr>
+            </a:lvl1pPr>
+          </a:lstStyle>
+          <a:p>
+            <a:pPr algn="ctr"/>
+            <a:r>
+              <a:rPr lang="en-US" sz="4800" dirty="0" smtClean="0">
+                <a:ln w="3175">
+                  <a:solidFill>
+                    <a:schemeClr val="bg1">
+                      <a:lumMod val="75000"/>
+                    </a:schemeClr>
+                  </a:solidFill>
+                </a:ln>
+                <a:solidFill>
+                  <a:schemeClr val="bg1"/>
+                </a:solidFill>
+                <a:latin typeface="Gill Sans MT" panose="020B0502020104020203" pitchFamily="34" charset="0"/>
+                <a:ea typeface="Roboto" panose="02000000000000000000" pitchFamily="2" charset="0"/>
+              </a:rPr>
+              <a:t>Steps for the Future</a:t>
+            </a:r>
+            <a:endParaRPr lang="en-US" sz="4800" dirty="0">
+              <a:ln w="3175">
+                <a:solidFill>
+                  <a:schemeClr val="bg1">
+                    <a:lumMod val="75000"/>
+                  </a:schemeClr>
+                </a:solidFill>
+              </a:ln>
+              <a:solidFill>
+                <a:schemeClr val="bg1"/>
+              </a:solidFill>
+              <a:latin typeface="Gill Sans MT" panose="020B0502020104020203" pitchFamily="34" charset="0"/>
+              <a:ea typeface="Roboto" panose="02000000000000000000" pitchFamily="2" charset="0"/>
+            </a:endParaRPr>
+          </a:p>
+        </p:txBody>
+      </p:sp>
+      <p:sp>
+        <p:nvSpPr>
+          <p:cNvPr id="6" name="Content Placeholder 2"/>
+          <p:cNvSpPr txBox="1">
+            <a:spLocks/>
+          </p:cNvSpPr>
+          <p:nvPr/>
+        </p:nvSpPr>
+        <p:spPr>
+          <a:xfrm>
+            <a:off x="5347252" y="1406525"/>
+            <a:ext cx="6182138" cy="4351338"/>
+          </a:xfrm>
+          <a:prstGeom prst="rect">
+            <a:avLst/>
+          </a:prstGeom>
+        </p:spPr>
+        <p:txBody>
+          <a:bodyPr>
+            <a:noAutofit/>
+          </a:bodyPr>
+          <a:lstStyle>
+            <a:lvl1pPr marL="228600" indent="-228600" algn="l" defTabSz="914400" rtl="0" eaLnBrk="1" latinLnBrk="0" hangingPunct="1">
+              <a:lnSpc>
+                <a:spcPct val="90000"/>
+              </a:lnSpc>
+              <a:spcBef>
+                <a:spcPts val="1000"/>
+              </a:spcBef>
+              <a:buFont typeface="Arial" panose="020B0604020202020204" pitchFamily="34" charset="0"/>
+              <a:buChar char="•"/>
+              <a:defRPr sz="2800" kern="1200">
+                <a:solidFill>
+                  <a:schemeClr val="tx1"/>
+                </a:solidFill>
+                <a:latin typeface="+mn-lt"/>
+                <a:ea typeface="+mn-ea"/>
+                <a:cs typeface="+mn-cs"/>
+              </a:defRPr>
+            </a:lvl1pPr>
+            <a:lvl2pPr marL="685800" indent="-228600" algn="l" defTabSz="914400" rtl="0" eaLnBrk="1" latinLnBrk="0" hangingPunct="1">
+              <a:lnSpc>
+                <a:spcPct val="90000"/>
+              </a:lnSpc>
+              <a:spcBef>
+                <a:spcPts val="500"/>
+              </a:spcBef>
+              <a:buFont typeface="Arial" panose="020B0604020202020204" pitchFamily="34" charset="0"/>
+              <a:buChar char="•"/>
+              <a:defRPr sz="2400" kern="1200">
+                <a:solidFill>
+                  <a:schemeClr val="tx1"/>
+                </a:solidFill>
+                <a:latin typeface="+mn-lt"/>
+                <a:ea typeface="+mn-ea"/>
+                <a:cs typeface="+mn-cs"/>
+              </a:defRPr>
+            </a:lvl2pPr>
+            <a:lvl3pPr marL="1143000" indent="-228600" algn="l" defTabSz="914400" rtl="0" eaLnBrk="1" latinLnBrk="0" hangingPunct="1">
+              <a:lnSpc>
+                <a:spcPct val="90000"/>
+              </a:lnSpc>
+              <a:spcBef>
+                <a:spcPts val="500"/>
+              </a:spcBef>
+              <a:buFont typeface="Arial" panose="020B0604020202020204" pitchFamily="34" charset="0"/>
+              <a:buChar char="•"/>
+              <a:defRPr sz="2000" kern="1200">
+                <a:solidFill>
+                  <a:schemeClr val="tx1"/>
+                </a:solidFill>
+                <a:latin typeface="+mn-lt"/>
+                <a:ea typeface="+mn-ea"/>
+                <a:cs typeface="+mn-cs"/>
+              </a:defRPr>
+            </a:lvl3pPr>
+            <a:lvl4pPr marL="1600200" indent="-228600" algn="l" defTabSz="914400" rtl="0" eaLnBrk="1" latinLnBrk="0" hangingPunct="1">
+              <a:lnSpc>
+                <a:spcPct val="90000"/>
+              </a:lnSpc>
+              <a:spcBef>
+                <a:spcPts val="500"/>
+              </a:spcBef>
+              <a:buFont typeface="Arial" panose="020B0604020202020204" pitchFamily="34" charset="0"/>
+              <a:buChar char="•"/>
+              <a:defRPr sz="1800" kern="1200">
+                <a:solidFill>
+                  <a:schemeClr val="tx1"/>
+                </a:solidFill>
+                <a:latin typeface="+mn-lt"/>
+                <a:ea typeface="+mn-ea"/>
+                <a:cs typeface="+mn-cs"/>
+              </a:defRPr>
+            </a:lvl4pPr>
+            <a:lvl5pPr marL="2057400" indent="-228600" algn="l" defTabSz="914400" rtl="0" eaLnBrk="1" latinLnBrk="0" hangingPunct="1">
+              <a:lnSpc>
+                <a:spcPct val="90000"/>
+              </a:lnSpc>
+              <a:spcBef>
+                <a:spcPts val="500"/>
+              </a:spcBef>
+              <a:buFont typeface="Arial" panose="020B0604020202020204" pitchFamily="34" charset="0"/>
+              <a:buChar char="•"/>
+              <a:defRPr sz="1800" kern="1200">
+                <a:solidFill>
+                  <a:schemeClr val="tx1"/>
+                </a:solidFill>
+                <a:latin typeface="+mn-lt"/>
+                <a:ea typeface="+mn-ea"/>
+                <a:cs typeface="+mn-cs"/>
+              </a:defRPr>
+            </a:lvl5pPr>
+            <a:lvl6pPr marL="2514600" indent="-228600" algn="l" defTabSz="914400" rtl="0" eaLnBrk="1" latinLnBrk="0" hangingPunct="1">
+              <a:lnSpc>
+                <a:spcPct val="90000"/>
+              </a:lnSpc>
+              <a:spcBef>
+                <a:spcPts val="500"/>
+              </a:spcBef>
+              <a:buFont typeface="Arial" panose="020B0604020202020204" pitchFamily="34" charset="0"/>
+              <a:buChar char="•"/>
+              <a:defRPr sz="1800" kern="1200">
+                <a:solidFill>
+                  <a:schemeClr val="tx1"/>
+                </a:solidFill>
+                <a:latin typeface="+mn-lt"/>
+                <a:ea typeface="+mn-ea"/>
+                <a:cs typeface="+mn-cs"/>
+              </a:defRPr>
+            </a:lvl6pPr>
+            <a:lvl7pPr marL="2971800" indent="-228600" algn="l" defTabSz="914400" rtl="0" eaLnBrk="1" latinLnBrk="0" hangingPunct="1">
+              <a:lnSpc>
+                <a:spcPct val="90000"/>
+              </a:lnSpc>
+              <a:spcBef>
+                <a:spcPts val="500"/>
+              </a:spcBef>
+              <a:buFont typeface="Arial" panose="020B0604020202020204" pitchFamily="34" charset="0"/>
+              <a:buChar char="•"/>
+              <a:defRPr sz="1800" kern="1200">
+                <a:solidFill>
+                  <a:schemeClr val="tx1"/>
+                </a:solidFill>
+                <a:latin typeface="+mn-lt"/>
+                <a:ea typeface="+mn-ea"/>
+                <a:cs typeface="+mn-cs"/>
+              </a:defRPr>
+            </a:lvl7pPr>
+            <a:lvl8pPr marL="3429000" indent="-228600" algn="l" defTabSz="914400" rtl="0" eaLnBrk="1" latinLnBrk="0" hangingPunct="1">
+              <a:lnSpc>
+                <a:spcPct val="90000"/>
+              </a:lnSpc>
+              <a:spcBef>
+                <a:spcPts val="500"/>
+              </a:spcBef>
+              <a:buFont typeface="Arial" panose="020B0604020202020204" pitchFamily="34" charset="0"/>
+              <a:buChar char="•"/>
+              <a:defRPr sz="1800" kern="1200">
+                <a:solidFill>
+                  <a:schemeClr val="tx1"/>
+                </a:solidFill>
+                <a:latin typeface="+mn-lt"/>
+                <a:ea typeface="+mn-ea"/>
+                <a:cs typeface="+mn-cs"/>
+              </a:defRPr>
+            </a:lvl8pPr>
+            <a:lvl9pPr marL="3886200" indent="-228600" algn="l" defTabSz="914400" rtl="0" eaLnBrk="1" latinLnBrk="0" hangingPunct="1">
+              <a:lnSpc>
+                <a:spcPct val="90000"/>
+              </a:lnSpc>
+              <a:spcBef>
+                <a:spcPts val="500"/>
+              </a:spcBef>
+              <a:buFont typeface="Arial" panose="020B0604020202020204" pitchFamily="34" charset="0"/>
+              <a:buChar char="•"/>
+              <a:defRPr sz="1800" kern="1200">
+                <a:solidFill>
+                  <a:schemeClr val="tx1"/>
+                </a:solidFill>
+                <a:latin typeface="+mn-lt"/>
+                <a:ea typeface="+mn-ea"/>
+                <a:cs typeface="+mn-cs"/>
+              </a:defRPr>
+            </a:lvl9pPr>
+          </a:lstStyle>
+          <a:p>
+            <a:pPr>
+              <a:lnSpc>
+                <a:spcPct val="100000"/>
+              </a:lnSpc>
+              <a:spcBef>
+                <a:spcPts val="0"/>
+              </a:spcBef>
+              <a:spcAft>
+                <a:spcPts val="3000"/>
+              </a:spcAft>
+            </a:pPr>
+            <a:r>
+              <a:rPr lang="en-US" sz="3600" dirty="0" smtClean="0">
+                <a:solidFill>
+                  <a:schemeClr val="bg2">
+                    <a:lumMod val="25000"/>
+                  </a:schemeClr>
+                </a:solidFill>
+                <a:latin typeface="Gill Sans MT" panose="020B0502020104020203" pitchFamily="34" charset="0"/>
+              </a:rPr>
+              <a:t>Decompose Dataset for Agency and Request Models</a:t>
+            </a:r>
+          </a:p>
+          <a:p>
+            <a:pPr>
+              <a:lnSpc>
+                <a:spcPct val="100000"/>
+              </a:lnSpc>
+              <a:spcBef>
+                <a:spcPts val="0"/>
+              </a:spcBef>
+              <a:spcAft>
+                <a:spcPts val="3000"/>
+              </a:spcAft>
+            </a:pPr>
+            <a:r>
+              <a:rPr lang="en-US" sz="3600" dirty="0" err="1" smtClean="0">
+                <a:solidFill>
+                  <a:schemeClr val="bg2">
+                    <a:lumMod val="25000"/>
+                  </a:schemeClr>
+                </a:solidFill>
+                <a:latin typeface="Gill Sans MT" panose="020B0502020104020203" pitchFamily="34" charset="0"/>
+              </a:rPr>
+              <a:t>Geolocate</a:t>
+            </a:r>
+            <a:r>
+              <a:rPr lang="en-US" sz="3600" dirty="0" smtClean="0">
+                <a:solidFill>
+                  <a:schemeClr val="bg2">
+                    <a:lumMod val="25000"/>
+                  </a:schemeClr>
+                </a:solidFill>
+                <a:latin typeface="Gill Sans MT" panose="020B0502020104020203" pitchFamily="34" charset="0"/>
+              </a:rPr>
+              <a:t> Requests to Search for </a:t>
+            </a:r>
+            <a:r>
+              <a:rPr lang="en-US" sz="3600" dirty="0" err="1" smtClean="0">
+                <a:solidFill>
+                  <a:schemeClr val="bg2">
+                    <a:lumMod val="25000"/>
+                  </a:schemeClr>
+                </a:solidFill>
+                <a:latin typeface="Gill Sans MT" panose="020B0502020104020203" pitchFamily="34" charset="0"/>
+              </a:rPr>
+              <a:t>Covariants</a:t>
+            </a:r>
+            <a:endParaRPr lang="en-US" sz="3600" dirty="0" smtClean="0">
+              <a:solidFill>
+                <a:schemeClr val="bg2">
+                  <a:lumMod val="25000"/>
+                </a:schemeClr>
+              </a:solidFill>
+              <a:latin typeface="Gill Sans MT" panose="020B0502020104020203" pitchFamily="34" charset="0"/>
+            </a:endParaRPr>
+          </a:p>
+          <a:p>
+            <a:pPr>
+              <a:lnSpc>
+                <a:spcPct val="100000"/>
+              </a:lnSpc>
+              <a:spcBef>
+                <a:spcPts val="0"/>
+              </a:spcBef>
+              <a:spcAft>
+                <a:spcPts val="3000"/>
+              </a:spcAft>
+            </a:pPr>
+            <a:r>
+              <a:rPr lang="en-US" sz="3600" dirty="0" smtClean="0">
+                <a:solidFill>
+                  <a:schemeClr val="bg2">
+                    <a:lumMod val="25000"/>
+                  </a:schemeClr>
+                </a:solidFill>
+                <a:latin typeface="Gill Sans MT" panose="020B0502020104020203" pitchFamily="34" charset="0"/>
+              </a:rPr>
+              <a:t>Public Campaign to Enhance Usage to Enrich Data</a:t>
+            </a:r>
+            <a:br>
+              <a:rPr lang="en-US" sz="3600" dirty="0" smtClean="0">
+                <a:solidFill>
+                  <a:schemeClr val="bg2">
+                    <a:lumMod val="25000"/>
+                  </a:schemeClr>
+                </a:solidFill>
+                <a:latin typeface="Gill Sans MT" panose="020B0502020104020203" pitchFamily="34" charset="0"/>
+              </a:rPr>
+            </a:br>
+            <a:endParaRPr lang="en-US" sz="3600" dirty="0">
+              <a:solidFill>
+                <a:schemeClr val="bg2">
+                  <a:lumMod val="25000"/>
+                </a:schemeClr>
+              </a:solidFill>
+              <a:latin typeface="Gill Sans MT" panose="020B0502020104020203" pitchFamily="34" charset="0"/>
+            </a:endParaRPr>
+          </a:p>
+        </p:txBody>
+      </p:sp>
+      <p:pic>
+        <p:nvPicPr>
+          <p:cNvPr id="4" name="Picture 3"/>
+          <p:cNvPicPr>
+            <a:picLocks noChangeAspect="1"/>
+          </p:cNvPicPr>
+          <p:nvPr/>
+        </p:nvPicPr>
+        <p:blipFill>
+          <a:blip r:embed="rId2">
+            <a:extLst>
+              <a:ext uri="{28A0092B-C50C-407E-A947-70E740481C1C}">
+                <a14:useLocalDpi xmlns:a14="http://schemas.microsoft.com/office/drawing/2010/main" val="0"/>
+              </a:ext>
+            </a:extLst>
+          </a:blip>
+          <a:stretch>
+            <a:fillRect/>
+          </a:stretch>
+        </p:blipFill>
+        <p:spPr>
+          <a:xfrm>
+            <a:off x="0" y="1076377"/>
+            <a:ext cx="5163739" cy="5781623"/>
+          </a:xfrm>
+          <a:prstGeom prst="rect">
+            <a:avLst/>
+          </a:prstGeom>
+        </p:spPr>
+      </p:pic>
     </p:spTree>
     <p:extLst>
       <p:ext uri="{BB962C8B-B14F-4D97-AF65-F5344CB8AC3E}">
-        <p14:creationId xmlns:p14="http://schemas.microsoft.com/office/powerpoint/2010/main" val="2032760189"/>
+        <p14:creationId xmlns:p14="http://schemas.microsoft.com/office/powerpoint/2010/main" val="843328382"/>
       </p:ext>
     </p:extLst>
   </p:cSld>
@@ -1344,14 +1643,6 @@
 <file path=ppt/slides/slide12.xml><?xml version="1.0" encoding="utf-8"?>
 <p:sld xmlns:a="http://schemas.openxmlformats.org/drawingml/2006/main" xmlns:r="http://schemas.openxmlformats.org/officeDocument/2006/relationships" xmlns:p="http://schemas.openxmlformats.org/presentationml/2006/main">
   <p:cSld>
-    <p:bg>
-      <p:bgPr>
-        <a:solidFill>
-          <a:srgbClr val="F0F0F0"/>
-        </a:solidFill>
-        <a:effectLst/>
-      </p:bgPr>
-    </p:bg>
     <p:spTree>
       <p:nvGrpSpPr>
         <p:cNvPr id="1" name=""/>
@@ -1368,206 +1659,90 @@
       </p:grpSpPr>
       <p:sp>
         <p:nvSpPr>
-          <p:cNvPr id="2" name="Title 1"/>
-          <p:cNvSpPr>
-            <a:spLocks noGrp="1"/>
+          <p:cNvPr id="4" name="Title 1"/>
+          <p:cNvSpPr txBox="1">
+            <a:spLocks/>
           </p:cNvSpPr>
-          <p:nvPr>
-            <p:ph type="title" idx="4294967295"/>
-          </p:nvPr>
+          <p:nvPr/>
         </p:nvSpPr>
         <p:spPr>
           <a:xfrm>
-            <a:off x="838200" y="365125"/>
-            <a:ext cx="10515600" cy="1325563"/>
+            <a:off x="0" y="0"/>
+            <a:ext cx="12192000" cy="1076377"/>
           </a:xfrm>
           <a:prstGeom prst="rect">
             <a:avLst/>
           </a:prstGeom>
+          <a:solidFill>
+            <a:srgbClr val="2E2A4F"/>
+          </a:solidFill>
+          <a:ln w="3175">
+            <a:noFill/>
+          </a:ln>
         </p:spPr>
         <p:txBody>
-          <a:bodyPr/>
-          <a:lstStyle/>
+          <a:bodyPr vert="horz" lIns="91440" tIns="45720" rIns="91440" bIns="45720" rtlCol="0" anchor="ctr">
+            <a:normAutofit/>
+          </a:bodyPr>
+          <a:lstStyle>
+            <a:lvl1pPr algn="l" defTabSz="914400" rtl="0" eaLnBrk="1" latinLnBrk="0" hangingPunct="1">
+              <a:lnSpc>
+                <a:spcPct val="90000"/>
+              </a:lnSpc>
+              <a:spcBef>
+                <a:spcPct val="0"/>
+              </a:spcBef>
+              <a:buNone/>
+              <a:defRPr sz="4400" kern="1200">
+                <a:solidFill>
+                  <a:schemeClr val="tx1"/>
+                </a:solidFill>
+                <a:latin typeface="+mj-lt"/>
+                <a:ea typeface="+mj-ea"/>
+                <a:cs typeface="+mj-cs"/>
+              </a:defRPr>
+            </a:lvl1pPr>
+          </a:lstStyle>
           <a:p>
-            <a:endParaRPr lang="en-US"/>
-          </a:p>
-        </p:txBody>
-      </p:sp>
-      <p:sp>
-        <p:nvSpPr>
-          <p:cNvPr id="3" name="Content Placeholder 2"/>
-          <p:cNvSpPr>
-            <a:spLocks noGrp="1"/>
-          </p:cNvSpPr>
-          <p:nvPr>
-            <p:ph idx="4294967295"/>
-          </p:nvPr>
-        </p:nvSpPr>
-        <p:spPr>
-          <a:xfrm>
-            <a:off x="838200" y="1825625"/>
-            <a:ext cx="10515600" cy="4351338"/>
-          </a:xfrm>
-          <a:prstGeom prst="rect">
-            <a:avLst/>
-          </a:prstGeom>
-        </p:spPr>
-        <p:txBody>
-          <a:bodyPr/>
-          <a:lstStyle/>
-          <a:p>
-            <a:endParaRPr lang="en-US"/>
+            <a:pPr algn="ctr"/>
+            <a:r>
+              <a:rPr lang="en-US" sz="4800" dirty="0" smtClean="0">
+                <a:ln w="3175">
+                  <a:solidFill>
+                    <a:schemeClr val="bg1">
+                      <a:lumMod val="75000"/>
+                    </a:schemeClr>
+                  </a:solidFill>
+                </a:ln>
+                <a:solidFill>
+                  <a:schemeClr val="bg1"/>
+                </a:solidFill>
+                <a:latin typeface="Gill Sans MT" panose="020B0502020104020203" pitchFamily="34" charset="0"/>
+                <a:ea typeface="Roboto" panose="02000000000000000000" pitchFamily="2" charset="0"/>
+              </a:rPr>
+              <a:t>Questions</a:t>
+            </a:r>
+            <a:endParaRPr lang="en-US" sz="4800" dirty="0">
+              <a:ln w="3175">
+                <a:solidFill>
+                  <a:schemeClr val="bg1">
+                    <a:lumMod val="75000"/>
+                  </a:schemeClr>
+                </a:solidFill>
+              </a:ln>
+              <a:solidFill>
+                <a:schemeClr val="bg1"/>
+              </a:solidFill>
+              <a:latin typeface="Gill Sans MT" panose="020B0502020104020203" pitchFamily="34" charset="0"/>
+              <a:ea typeface="Roboto" panose="02000000000000000000" pitchFamily="2" charset="0"/>
+            </a:endParaRPr>
           </a:p>
         </p:txBody>
       </p:sp>
     </p:spTree>
     <p:extLst>
       <p:ext uri="{BB962C8B-B14F-4D97-AF65-F5344CB8AC3E}">
-        <p14:creationId xmlns:p14="http://schemas.microsoft.com/office/powerpoint/2010/main" val="3784014980"/>
-      </p:ext>
-    </p:extLst>
-  </p:cSld>
-  <p:clrMapOvr>
-    <a:masterClrMapping/>
-  </p:clrMapOvr>
-  <p:timing>
-    <p:tnLst>
-      <p:par>
-        <p:cTn id="1" dur="indefinite" restart="never" nodeType="tmRoot"/>
-      </p:par>
-    </p:tnLst>
-  </p:timing>
-</p:sld>
-</file>
-
-<file path=ppt/slides/slide13.xml><?xml version="1.0" encoding="utf-8"?>
-<p:sld xmlns:a="http://schemas.openxmlformats.org/drawingml/2006/main" xmlns:r="http://schemas.openxmlformats.org/officeDocument/2006/relationships" xmlns:p="http://schemas.openxmlformats.org/presentationml/2006/main">
-  <p:cSld>
-    <p:bg>
-      <p:bgPr>
-        <a:solidFill>
-          <a:srgbClr val="F0F0F0"/>
-        </a:solidFill>
-        <a:effectLst/>
-      </p:bgPr>
-    </p:bg>
-    <p:spTree>
-      <p:nvGrpSpPr>
-        <p:cNvPr id="1" name=""/>
-        <p:cNvGrpSpPr/>
-        <p:nvPr/>
-      </p:nvGrpSpPr>
-      <p:grpSpPr>
-        <a:xfrm>
-          <a:off x="0" y="0"/>
-          <a:ext cx="0" cy="0"/>
-          <a:chOff x="0" y="0"/>
-          <a:chExt cx="0" cy="0"/>
-        </a:xfrm>
-      </p:grpSpPr>
-      <p:sp>
-        <p:nvSpPr>
-          <p:cNvPr id="2" name="Title 1"/>
-          <p:cNvSpPr>
-            <a:spLocks noGrp="1"/>
-          </p:cNvSpPr>
-          <p:nvPr>
-            <p:ph type="title" idx="4294967295"/>
-          </p:nvPr>
-        </p:nvSpPr>
-        <p:spPr>
-          <a:xfrm>
-            <a:off x="838200" y="365125"/>
-            <a:ext cx="10515600" cy="1325563"/>
-          </a:xfrm>
-          <a:prstGeom prst="rect">
-            <a:avLst/>
-          </a:prstGeom>
-        </p:spPr>
-        <p:txBody>
-          <a:bodyPr/>
-          <a:lstStyle/>
-          <a:p>
-            <a:endParaRPr lang="en-US"/>
-          </a:p>
-        </p:txBody>
-      </p:sp>
-      <p:sp>
-        <p:nvSpPr>
-          <p:cNvPr id="3" name="Content Placeholder 2"/>
-          <p:cNvSpPr>
-            <a:spLocks noGrp="1"/>
-          </p:cNvSpPr>
-          <p:nvPr>
-            <p:ph idx="4294967295"/>
-          </p:nvPr>
-        </p:nvSpPr>
-        <p:spPr>
-          <a:xfrm>
-            <a:off x="838200" y="1825625"/>
-            <a:ext cx="10515600" cy="4351338"/>
-          </a:xfrm>
-          <a:prstGeom prst="rect">
-            <a:avLst/>
-          </a:prstGeom>
-        </p:spPr>
-        <p:txBody>
-          <a:bodyPr/>
-          <a:lstStyle/>
-          <a:p>
-            <a:endParaRPr lang="en-US"/>
-          </a:p>
-        </p:txBody>
-      </p:sp>
-    </p:spTree>
-    <p:extLst>
-      <p:ext uri="{BB962C8B-B14F-4D97-AF65-F5344CB8AC3E}">
-        <p14:creationId xmlns:p14="http://schemas.microsoft.com/office/powerpoint/2010/main" val="1376756449"/>
-      </p:ext>
-    </p:extLst>
-  </p:cSld>
-  <p:clrMapOvr>
-    <a:masterClrMapping/>
-  </p:clrMapOvr>
-  <p:timing>
-    <p:tnLst>
-      <p:par>
-        <p:cTn id="1" dur="indefinite" restart="never" nodeType="tmRoot"/>
-      </p:par>
-    </p:tnLst>
-  </p:timing>
-</p:sld>
-</file>
-
-<file path=ppt/slides/slide14.xml><?xml version="1.0" encoding="utf-8"?>
-<p:sld xmlns:a="http://schemas.openxmlformats.org/drawingml/2006/main" xmlns:r="http://schemas.openxmlformats.org/officeDocument/2006/relationships" xmlns:p="http://schemas.openxmlformats.org/presentationml/2006/main">
-  <p:cSld>
-    <p:bg>
-      <p:bgPr>
-        <a:solidFill>
-          <a:srgbClr val="F0F0F0"/>
-        </a:solidFill>
-        <a:effectLst/>
-      </p:bgPr>
-    </p:bg>
-    <p:spTree>
-      <p:nvGrpSpPr>
-        <p:cNvPr id="1" name=""/>
-        <p:cNvGrpSpPr/>
-        <p:nvPr/>
-      </p:nvGrpSpPr>
-      <p:grpSpPr>
-        <a:xfrm>
-          <a:off x="0" y="0"/>
-          <a:ext cx="0" cy="0"/>
-          <a:chOff x="0" y="0"/>
-          <a:chExt cx="0" cy="0"/>
-        </a:xfrm>
-      </p:grpSpPr>
-    </p:spTree>
-    <p:extLst>
-      <p:ext uri="{BB962C8B-B14F-4D97-AF65-F5344CB8AC3E}">
-        <p14:creationId xmlns:p14="http://schemas.microsoft.com/office/powerpoint/2010/main" val="213769825"/>
+        <p14:creationId xmlns:p14="http://schemas.microsoft.com/office/powerpoint/2010/main" val="3729828454"/>
       </p:ext>
     </p:extLst>
   </p:cSld>
@@ -1635,7 +1810,7 @@
           </a:ln>
         </p:spPr>
         <p:txBody>
-          <a:bodyPr>
+          <a:bodyPr anchor="ctr" anchorCtr="0">
             <a:normAutofit/>
           </a:bodyPr>
           <a:lstStyle/>
@@ -1981,7 +2156,58 @@
                 <a:latin typeface="Gill Sans MT" panose="020B0502020104020203" pitchFamily="34" charset="0"/>
                 <a:ea typeface="Roboto" panose="02000000000000000000" pitchFamily="2" charset="0"/>
               </a:rPr>
-              <a:t>Demand is Higher and Volatile</a:t>
+              <a:t>Usage </a:t>
+            </a:r>
+            <a:r>
+              <a:rPr lang="en-US" sz="4800" dirty="0" smtClean="0">
+                <a:ln w="3175">
+                  <a:solidFill>
+                    <a:schemeClr val="bg1">
+                      <a:lumMod val="75000"/>
+                    </a:schemeClr>
+                  </a:solidFill>
+                </a:ln>
+                <a:solidFill>
+                  <a:schemeClr val="bg1"/>
+                </a:solidFill>
+                <a:latin typeface="Gill Sans MT" panose="020B0502020104020203" pitchFamily="34" charset="0"/>
+                <a:ea typeface="Roboto" panose="02000000000000000000" pitchFamily="2" charset="0"/>
+              </a:rPr>
+              <a:t>is </a:t>
+            </a:r>
+            <a:r>
+              <a:rPr lang="en-US" sz="4800" dirty="0" smtClean="0">
+                <a:ln w="3175">
+                  <a:solidFill>
+                    <a:schemeClr val="bg1">
+                      <a:lumMod val="75000"/>
+                    </a:schemeClr>
+                  </a:solidFill>
+                </a:ln>
+                <a:solidFill>
+                  <a:schemeClr val="bg1"/>
+                </a:solidFill>
+                <a:latin typeface="Gill Sans MT" panose="020B0502020104020203" pitchFamily="34" charset="0"/>
+                <a:ea typeface="Roboto" panose="02000000000000000000" pitchFamily="2" charset="0"/>
+              </a:rPr>
+              <a:t>Increasing </a:t>
+            </a:r>
+            <a:r>
+              <a:rPr lang="en-US" sz="4800" dirty="0" smtClean="0">
+                <a:ln w="3175">
+                  <a:solidFill>
+                    <a:schemeClr val="bg1">
+                      <a:lumMod val="75000"/>
+                    </a:schemeClr>
+                  </a:solidFill>
+                </a:ln>
+                <a:solidFill>
+                  <a:schemeClr val="bg1"/>
+                </a:solidFill>
+                <a:latin typeface="Gill Sans MT" panose="020B0502020104020203" pitchFamily="34" charset="0"/>
+                <a:ea typeface="Roboto" panose="02000000000000000000" pitchFamily="2" charset="0"/>
+              </a:rPr>
+              <a:t>and Volatile</a:t>
             </a:r>
             <a:endParaRPr lang="en-US" sz="4800" dirty="0">
               <a:ln w="3175">
@@ -2438,8 +2664,8 @@
         </p:blipFill>
         <p:spPr>
           <a:xfrm>
-            <a:off x="6210300" y="1406525"/>
-            <a:ext cx="5734850" cy="4829849"/>
+            <a:off x="5327035" y="1076376"/>
+            <a:ext cx="6864965" cy="5781623"/>
           </a:xfrm>
           <a:prstGeom prst="rect">
             <a:avLst/>
@@ -2807,45 +3033,6 @@
       </p:grpSpPr>
       <p:sp>
         <p:nvSpPr>
-          <p:cNvPr id="2" name="Title 1"/>
-          <p:cNvSpPr>
-            <a:spLocks noGrp="1"/>
-          </p:cNvSpPr>
-          <p:nvPr>
-            <p:ph type="title" idx="4294967295"/>
-          </p:nvPr>
-        </p:nvSpPr>
-        <p:spPr>
-          <a:xfrm>
-            <a:off x="1219200" y="3387725"/>
-            <a:ext cx="10579100" cy="1069975"/>
-          </a:xfrm>
-          <a:prstGeom prst="rect">
-            <a:avLst/>
-          </a:prstGeom>
-        </p:spPr>
-        <p:txBody>
-          <a:bodyPr>
-            <a:normAutofit/>
-          </a:bodyPr>
-          <a:lstStyle/>
-          <a:p>
-            <a:r>
-              <a:rPr lang="en-US" dirty="0" smtClean="0">
-                <a:latin typeface="Roboto" panose="02000000000000000000" pitchFamily="2" charset="0"/>
-                <a:ea typeface="Roboto" panose="02000000000000000000" pitchFamily="2" charset="0"/>
-              </a:rPr>
-              <a:t>What will usage be next week</a:t>
-            </a:r>
-            <a:endParaRPr lang="en-US" dirty="0">
-              <a:latin typeface="Roboto" panose="02000000000000000000" pitchFamily="2" charset="0"/>
-              <a:ea typeface="Roboto" panose="02000000000000000000" pitchFamily="2" charset="0"/>
-            </a:endParaRPr>
-          </a:p>
-        </p:txBody>
-      </p:sp>
-      <p:sp>
-        <p:nvSpPr>
           <p:cNvPr id="4" name="Title 1"/>
           <p:cNvSpPr txBox="1">
             <a:spLocks/>
@@ -2907,7 +3094,7 @@
                 <a:latin typeface="Gill Sans MT" panose="020B0502020104020203" pitchFamily="34" charset="0"/>
                 <a:ea typeface="Roboto" panose="02000000000000000000" pitchFamily="2" charset="0"/>
               </a:rPr>
-              <a:t>HEADING</a:t>
+              <a:t>Goal: Forecast for Next Day, Week, Month</a:t>
             </a:r>
             <a:endParaRPr lang="en-US" sz="4800" dirty="0">
               <a:ln w="3175">
@@ -2922,6 +3109,479 @@
               </a:solidFill>
               <a:latin typeface="Gill Sans MT" panose="020B0502020104020203" pitchFamily="34" charset="0"/>
               <a:ea typeface="Roboto" panose="02000000000000000000" pitchFamily="2" charset="0"/>
+            </a:endParaRPr>
+          </a:p>
+        </p:txBody>
+      </p:sp>
+      <p:pic>
+        <p:nvPicPr>
+          <p:cNvPr id="12" name="Picture 11"/>
+          <p:cNvPicPr>
+            <a:picLocks noChangeAspect="1"/>
+          </p:cNvPicPr>
+          <p:nvPr/>
+        </p:nvPicPr>
+        <p:blipFill>
+          <a:blip r:embed="rId2" cstate="print">
+            <a:extLst>
+              <a:ext uri="{28A0092B-C50C-407E-A947-70E740481C1C}">
+                <a14:useLocalDpi xmlns:a14="http://schemas.microsoft.com/office/drawing/2010/main" val="0"/>
+              </a:ext>
+            </a:extLst>
+          </a:blip>
+          <a:stretch>
+            <a:fillRect/>
+          </a:stretch>
+        </p:blipFill>
+        <p:spPr>
+          <a:xfrm>
+            <a:off x="189506" y="1258095"/>
+            <a:ext cx="7486421" cy="2365481"/>
+          </a:xfrm>
+          <a:prstGeom prst="rect">
+            <a:avLst/>
+          </a:prstGeom>
+        </p:spPr>
+      </p:pic>
+      <p:pic>
+        <p:nvPicPr>
+          <p:cNvPr id="13" name="Picture 12"/>
+          <p:cNvPicPr>
+            <a:picLocks noChangeAspect="1"/>
+          </p:cNvPicPr>
+          <p:nvPr/>
+        </p:nvPicPr>
+        <p:blipFill>
+          <a:blip r:embed="rId3" cstate="print">
+            <a:extLst>
+              <a:ext uri="{28A0092B-C50C-407E-A947-70E740481C1C}">
+                <a14:useLocalDpi xmlns:a14="http://schemas.microsoft.com/office/drawing/2010/main" val="0"/>
+              </a:ext>
+            </a:extLst>
+          </a:blip>
+          <a:stretch>
+            <a:fillRect/>
+          </a:stretch>
+        </p:blipFill>
+        <p:spPr>
+          <a:xfrm>
+            <a:off x="189506" y="4210826"/>
+            <a:ext cx="7486421" cy="2363684"/>
+          </a:xfrm>
+          <a:prstGeom prst="rect">
+            <a:avLst/>
+          </a:prstGeom>
+        </p:spPr>
+      </p:pic>
+      <p:sp>
+        <p:nvSpPr>
+          <p:cNvPr id="14" name="Content Placeholder 2"/>
+          <p:cNvSpPr txBox="1">
+            <a:spLocks/>
+          </p:cNvSpPr>
+          <p:nvPr/>
+        </p:nvSpPr>
+        <p:spPr>
+          <a:xfrm>
+            <a:off x="7877263" y="1406525"/>
+            <a:ext cx="4018326" cy="4351338"/>
+          </a:xfrm>
+          <a:prstGeom prst="rect">
+            <a:avLst/>
+          </a:prstGeom>
+        </p:spPr>
+        <p:txBody>
+          <a:bodyPr>
+            <a:noAutofit/>
+          </a:bodyPr>
+          <a:lstStyle>
+            <a:lvl1pPr marL="228600" indent="-228600" algn="l" defTabSz="914400" rtl="0" eaLnBrk="1" latinLnBrk="0" hangingPunct="1">
+              <a:lnSpc>
+                <a:spcPct val="90000"/>
+              </a:lnSpc>
+              <a:spcBef>
+                <a:spcPts val="1000"/>
+              </a:spcBef>
+              <a:buFont typeface="Arial" panose="020B0604020202020204" pitchFamily="34" charset="0"/>
+              <a:buChar char="•"/>
+              <a:defRPr sz="2800" kern="1200">
+                <a:solidFill>
+                  <a:schemeClr val="tx1"/>
+                </a:solidFill>
+                <a:latin typeface="+mn-lt"/>
+                <a:ea typeface="+mn-ea"/>
+                <a:cs typeface="+mn-cs"/>
+              </a:defRPr>
+            </a:lvl1pPr>
+            <a:lvl2pPr marL="685800" indent="-228600" algn="l" defTabSz="914400" rtl="0" eaLnBrk="1" latinLnBrk="0" hangingPunct="1">
+              <a:lnSpc>
+                <a:spcPct val="90000"/>
+              </a:lnSpc>
+              <a:spcBef>
+                <a:spcPts val="500"/>
+              </a:spcBef>
+              <a:buFont typeface="Arial" panose="020B0604020202020204" pitchFamily="34" charset="0"/>
+              <a:buChar char="•"/>
+              <a:defRPr sz="2400" kern="1200">
+                <a:solidFill>
+                  <a:schemeClr val="tx1"/>
+                </a:solidFill>
+                <a:latin typeface="+mn-lt"/>
+                <a:ea typeface="+mn-ea"/>
+                <a:cs typeface="+mn-cs"/>
+              </a:defRPr>
+            </a:lvl2pPr>
+            <a:lvl3pPr marL="1143000" indent="-228600" algn="l" defTabSz="914400" rtl="0" eaLnBrk="1" latinLnBrk="0" hangingPunct="1">
+              <a:lnSpc>
+                <a:spcPct val="90000"/>
+              </a:lnSpc>
+              <a:spcBef>
+                <a:spcPts val="500"/>
+              </a:spcBef>
+              <a:buFont typeface="Arial" panose="020B0604020202020204" pitchFamily="34" charset="0"/>
+              <a:buChar char="•"/>
+              <a:defRPr sz="2000" kern="1200">
+                <a:solidFill>
+                  <a:schemeClr val="tx1"/>
+                </a:solidFill>
+                <a:latin typeface="+mn-lt"/>
+                <a:ea typeface="+mn-ea"/>
+                <a:cs typeface="+mn-cs"/>
+              </a:defRPr>
+            </a:lvl3pPr>
+            <a:lvl4pPr marL="1600200" indent="-228600" algn="l" defTabSz="914400" rtl="0" eaLnBrk="1" latinLnBrk="0" hangingPunct="1">
+              <a:lnSpc>
+                <a:spcPct val="90000"/>
+              </a:lnSpc>
+              <a:spcBef>
+                <a:spcPts val="500"/>
+              </a:spcBef>
+              <a:buFont typeface="Arial" panose="020B0604020202020204" pitchFamily="34" charset="0"/>
+              <a:buChar char="•"/>
+              <a:defRPr sz="1800" kern="1200">
+                <a:solidFill>
+                  <a:schemeClr val="tx1"/>
+                </a:solidFill>
+                <a:latin typeface="+mn-lt"/>
+                <a:ea typeface="+mn-ea"/>
+                <a:cs typeface="+mn-cs"/>
+              </a:defRPr>
+            </a:lvl4pPr>
+            <a:lvl5pPr marL="2057400" indent="-228600" algn="l" defTabSz="914400" rtl="0" eaLnBrk="1" latinLnBrk="0" hangingPunct="1">
+              <a:lnSpc>
+                <a:spcPct val="90000"/>
+              </a:lnSpc>
+              <a:spcBef>
+                <a:spcPts val="500"/>
+              </a:spcBef>
+              <a:buFont typeface="Arial" panose="020B0604020202020204" pitchFamily="34" charset="0"/>
+              <a:buChar char="•"/>
+              <a:defRPr sz="1800" kern="1200">
+                <a:solidFill>
+                  <a:schemeClr val="tx1"/>
+                </a:solidFill>
+                <a:latin typeface="+mn-lt"/>
+                <a:ea typeface="+mn-ea"/>
+                <a:cs typeface="+mn-cs"/>
+              </a:defRPr>
+            </a:lvl5pPr>
+            <a:lvl6pPr marL="2514600" indent="-228600" algn="l" defTabSz="914400" rtl="0" eaLnBrk="1" latinLnBrk="0" hangingPunct="1">
+              <a:lnSpc>
+                <a:spcPct val="90000"/>
+              </a:lnSpc>
+              <a:spcBef>
+                <a:spcPts val="500"/>
+              </a:spcBef>
+              <a:buFont typeface="Arial" panose="020B0604020202020204" pitchFamily="34" charset="0"/>
+              <a:buChar char="•"/>
+              <a:defRPr sz="1800" kern="1200">
+                <a:solidFill>
+                  <a:schemeClr val="tx1"/>
+                </a:solidFill>
+                <a:latin typeface="+mn-lt"/>
+                <a:ea typeface="+mn-ea"/>
+                <a:cs typeface="+mn-cs"/>
+              </a:defRPr>
+            </a:lvl6pPr>
+            <a:lvl7pPr marL="2971800" indent="-228600" algn="l" defTabSz="914400" rtl="0" eaLnBrk="1" latinLnBrk="0" hangingPunct="1">
+              <a:lnSpc>
+                <a:spcPct val="90000"/>
+              </a:lnSpc>
+              <a:spcBef>
+                <a:spcPts val="500"/>
+              </a:spcBef>
+              <a:buFont typeface="Arial" panose="020B0604020202020204" pitchFamily="34" charset="0"/>
+              <a:buChar char="•"/>
+              <a:defRPr sz="1800" kern="1200">
+                <a:solidFill>
+                  <a:schemeClr val="tx1"/>
+                </a:solidFill>
+                <a:latin typeface="+mn-lt"/>
+                <a:ea typeface="+mn-ea"/>
+                <a:cs typeface="+mn-cs"/>
+              </a:defRPr>
+            </a:lvl7pPr>
+            <a:lvl8pPr marL="3429000" indent="-228600" algn="l" defTabSz="914400" rtl="0" eaLnBrk="1" latinLnBrk="0" hangingPunct="1">
+              <a:lnSpc>
+                <a:spcPct val="90000"/>
+              </a:lnSpc>
+              <a:spcBef>
+                <a:spcPts val="500"/>
+              </a:spcBef>
+              <a:buFont typeface="Arial" panose="020B0604020202020204" pitchFamily="34" charset="0"/>
+              <a:buChar char="•"/>
+              <a:defRPr sz="1800" kern="1200">
+                <a:solidFill>
+                  <a:schemeClr val="tx1"/>
+                </a:solidFill>
+                <a:latin typeface="+mn-lt"/>
+                <a:ea typeface="+mn-ea"/>
+                <a:cs typeface="+mn-cs"/>
+              </a:defRPr>
+            </a:lvl8pPr>
+            <a:lvl9pPr marL="3886200" indent="-228600" algn="l" defTabSz="914400" rtl="0" eaLnBrk="1" latinLnBrk="0" hangingPunct="1">
+              <a:lnSpc>
+                <a:spcPct val="90000"/>
+              </a:lnSpc>
+              <a:spcBef>
+                <a:spcPts val="500"/>
+              </a:spcBef>
+              <a:buFont typeface="Arial" panose="020B0604020202020204" pitchFamily="34" charset="0"/>
+              <a:buChar char="•"/>
+              <a:defRPr sz="1800" kern="1200">
+                <a:solidFill>
+                  <a:schemeClr val="tx1"/>
+                </a:solidFill>
+                <a:latin typeface="+mn-lt"/>
+                <a:ea typeface="+mn-ea"/>
+                <a:cs typeface="+mn-cs"/>
+              </a:defRPr>
+            </a:lvl9pPr>
+          </a:lstStyle>
+          <a:p>
+            <a:pPr>
+              <a:lnSpc>
+                <a:spcPct val="100000"/>
+              </a:lnSpc>
+              <a:spcBef>
+                <a:spcPts val="0"/>
+              </a:spcBef>
+              <a:spcAft>
+                <a:spcPts val="3000"/>
+              </a:spcAft>
+            </a:pPr>
+            <a:r>
+              <a:rPr lang="en-US" sz="3200" u="sng" dirty="0" smtClean="0">
+                <a:solidFill>
+                  <a:schemeClr val="bg2">
+                    <a:lumMod val="25000"/>
+                  </a:schemeClr>
+                </a:solidFill>
+                <a:latin typeface="Gill Sans MT" panose="020B0502020104020203" pitchFamily="34" charset="0"/>
+              </a:rPr>
+              <a:t>Daily forecast</a:t>
+            </a:r>
+            <a:r>
+              <a:rPr lang="en-US" sz="3200" dirty="0" smtClean="0">
+                <a:solidFill>
+                  <a:schemeClr val="bg2">
+                    <a:lumMod val="25000"/>
+                  </a:schemeClr>
+                </a:solidFill>
+                <a:latin typeface="Gill Sans MT" panose="020B0502020104020203" pitchFamily="34" charset="0"/>
+              </a:rPr>
+              <a:t/>
+            </a:r>
+            <a:br>
+              <a:rPr lang="en-US" sz="3200" dirty="0" smtClean="0">
+                <a:solidFill>
+                  <a:schemeClr val="bg2">
+                    <a:lumMod val="25000"/>
+                  </a:schemeClr>
+                </a:solidFill>
+                <a:latin typeface="Gill Sans MT" panose="020B0502020104020203" pitchFamily="34" charset="0"/>
+              </a:rPr>
+            </a:br>
+            <a:r>
+              <a:rPr lang="en-US" sz="3200" dirty="0" smtClean="0">
+                <a:solidFill>
+                  <a:schemeClr val="bg2">
+                    <a:lumMod val="25000"/>
+                  </a:schemeClr>
+                </a:solidFill>
+                <a:latin typeface="Gill Sans MT" panose="020B0502020104020203" pitchFamily="34" charset="0"/>
+              </a:rPr>
+              <a:t>Operational planning</a:t>
+            </a:r>
+          </a:p>
+          <a:p>
+            <a:pPr>
+              <a:lnSpc>
+                <a:spcPct val="100000"/>
+              </a:lnSpc>
+              <a:spcBef>
+                <a:spcPts val="0"/>
+              </a:spcBef>
+              <a:spcAft>
+                <a:spcPts val="3000"/>
+              </a:spcAft>
+            </a:pPr>
+            <a:r>
+              <a:rPr lang="en-US" sz="3200" u="sng" dirty="0" smtClean="0">
+                <a:solidFill>
+                  <a:schemeClr val="bg2">
+                    <a:lumMod val="25000"/>
+                  </a:schemeClr>
+                </a:solidFill>
+                <a:latin typeface="Gill Sans MT" panose="020B0502020104020203" pitchFamily="34" charset="0"/>
+              </a:rPr>
+              <a:t>Weekly forecast</a:t>
+            </a:r>
+            <a:r>
+              <a:rPr lang="en-US" sz="3200" dirty="0" smtClean="0">
+                <a:solidFill>
+                  <a:schemeClr val="bg2">
+                    <a:lumMod val="25000"/>
+                  </a:schemeClr>
+                </a:solidFill>
+                <a:latin typeface="Gill Sans MT" panose="020B0502020104020203" pitchFamily="34" charset="0"/>
+              </a:rPr>
+              <a:t/>
+            </a:r>
+            <a:br>
+              <a:rPr lang="en-US" sz="3200" dirty="0" smtClean="0">
+                <a:solidFill>
+                  <a:schemeClr val="bg2">
+                    <a:lumMod val="25000"/>
+                  </a:schemeClr>
+                </a:solidFill>
+                <a:latin typeface="Gill Sans MT" panose="020B0502020104020203" pitchFamily="34" charset="0"/>
+              </a:rPr>
+            </a:br>
+            <a:r>
+              <a:rPr lang="en-US" sz="3200" dirty="0" smtClean="0">
+                <a:solidFill>
+                  <a:schemeClr val="bg2">
+                    <a:lumMod val="25000"/>
+                  </a:schemeClr>
+                </a:solidFill>
+                <a:latin typeface="Gill Sans MT" panose="020B0502020104020203" pitchFamily="34" charset="0"/>
+              </a:rPr>
+              <a:t>Tactical planning </a:t>
+            </a:r>
+          </a:p>
+          <a:p>
+            <a:pPr>
+              <a:lnSpc>
+                <a:spcPct val="100000"/>
+              </a:lnSpc>
+              <a:spcBef>
+                <a:spcPts val="0"/>
+              </a:spcBef>
+              <a:spcAft>
+                <a:spcPts val="3000"/>
+              </a:spcAft>
+            </a:pPr>
+            <a:r>
+              <a:rPr lang="en-US" sz="3200" u="sng" dirty="0" smtClean="0">
+                <a:solidFill>
+                  <a:schemeClr val="bg2">
+                    <a:lumMod val="25000"/>
+                  </a:schemeClr>
+                </a:solidFill>
+                <a:latin typeface="Gill Sans MT" panose="020B0502020104020203" pitchFamily="34" charset="0"/>
+              </a:rPr>
+              <a:t>Monthly forecast</a:t>
+            </a:r>
+            <a:r>
+              <a:rPr lang="en-US" sz="3200" dirty="0" smtClean="0">
+                <a:solidFill>
+                  <a:schemeClr val="bg2">
+                    <a:lumMod val="25000"/>
+                  </a:schemeClr>
+                </a:solidFill>
+                <a:latin typeface="Gill Sans MT" panose="020B0502020104020203" pitchFamily="34" charset="0"/>
+              </a:rPr>
+              <a:t/>
+            </a:r>
+            <a:br>
+              <a:rPr lang="en-US" sz="3200" dirty="0" smtClean="0">
+                <a:solidFill>
+                  <a:schemeClr val="bg2">
+                    <a:lumMod val="25000"/>
+                  </a:schemeClr>
+                </a:solidFill>
+                <a:latin typeface="Gill Sans MT" panose="020B0502020104020203" pitchFamily="34" charset="0"/>
+              </a:rPr>
+            </a:br>
+            <a:r>
+              <a:rPr lang="en-US" sz="3200" dirty="0" smtClean="0">
+                <a:solidFill>
+                  <a:schemeClr val="bg2">
+                    <a:lumMod val="25000"/>
+                  </a:schemeClr>
+                </a:solidFill>
+                <a:latin typeface="Gill Sans MT" panose="020B0502020104020203" pitchFamily="34" charset="0"/>
+              </a:rPr>
+              <a:t>Strategic planning</a:t>
+            </a:r>
+            <a:endParaRPr lang="en-US" sz="3200" dirty="0">
+              <a:solidFill>
+                <a:schemeClr val="bg2">
+                  <a:lumMod val="25000"/>
+                </a:schemeClr>
+              </a:solidFill>
+              <a:latin typeface="Gill Sans MT" panose="020B0502020104020203" pitchFamily="34" charset="0"/>
+            </a:endParaRPr>
+          </a:p>
+        </p:txBody>
+      </p:sp>
+      <p:sp>
+        <p:nvSpPr>
+          <p:cNvPr id="15" name="Left Brace 14"/>
+          <p:cNvSpPr/>
+          <p:nvPr/>
+        </p:nvSpPr>
+        <p:spPr>
+          <a:xfrm rot="5400000">
+            <a:off x="3993755" y="898909"/>
+            <a:ext cx="575463" cy="6048376"/>
+          </a:xfrm>
+          <a:prstGeom prst="leftBrace">
+            <a:avLst>
+              <a:gd name="adj1" fmla="val 59714"/>
+              <a:gd name="adj2" fmla="val 7532"/>
+            </a:avLst>
+          </a:prstGeom>
+          <a:ln w="15875">
+            <a:solidFill>
+              <a:srgbClr val="2E2A4F"/>
+            </a:solidFill>
+          </a:ln>
+        </p:spPr>
+        <p:style>
+          <a:lnRef idx="1">
+            <a:schemeClr val="accent1"/>
+          </a:lnRef>
+          <a:fillRef idx="0">
+            <a:schemeClr val="accent1"/>
+          </a:fillRef>
+          <a:effectRef idx="0">
+            <a:schemeClr val="accent1"/>
+          </a:effectRef>
+          <a:fontRef idx="minor">
+            <a:schemeClr val="tx1"/>
+          </a:fontRef>
+        </p:style>
+        <p:txBody>
+          <a:bodyPr rtlCol="0" anchor="ctr"/>
+          <a:lstStyle/>
+          <a:p>
+            <a:pPr algn="ctr"/>
+            <a:endParaRPr lang="en-US">
+              <a:solidFill>
+                <a:srgbClr val="FF0000"/>
+              </a:solidFill>
             </a:endParaRPr>
           </a:p>
         </p:txBody>
@@ -2973,45 +3633,6 @@
       </p:grpSpPr>
       <p:sp>
         <p:nvSpPr>
-          <p:cNvPr id="2" name="Title 1"/>
-          <p:cNvSpPr>
-            <a:spLocks noGrp="1"/>
-          </p:cNvSpPr>
-          <p:nvPr>
-            <p:ph type="title" idx="4294967295"/>
-          </p:nvPr>
-        </p:nvSpPr>
-        <p:spPr>
-          <a:xfrm>
-            <a:off x="1282700" y="2536825"/>
-            <a:ext cx="10579100" cy="1069975"/>
-          </a:xfrm>
-          <a:prstGeom prst="rect">
-            <a:avLst/>
-          </a:prstGeom>
-        </p:spPr>
-        <p:txBody>
-          <a:bodyPr>
-            <a:normAutofit/>
-          </a:bodyPr>
-          <a:lstStyle/>
-          <a:p>
-            <a:r>
-              <a:rPr lang="en-US" dirty="0" smtClean="0">
-                <a:latin typeface="Roboto" panose="02000000000000000000" pitchFamily="2" charset="0"/>
-                <a:ea typeface="Roboto" panose="02000000000000000000" pitchFamily="2" charset="0"/>
-              </a:rPr>
-              <a:t>What will usage be next month</a:t>
-            </a:r>
-            <a:endParaRPr lang="en-US" dirty="0">
-              <a:latin typeface="Roboto" panose="02000000000000000000" pitchFamily="2" charset="0"/>
-              <a:ea typeface="Roboto" panose="02000000000000000000" pitchFamily="2" charset="0"/>
-            </a:endParaRPr>
-          </a:p>
-        </p:txBody>
-      </p:sp>
-      <p:sp>
-        <p:nvSpPr>
           <p:cNvPr id="4" name="Title 1"/>
           <p:cNvSpPr txBox="1">
             <a:spLocks/>
@@ -3073,7 +3694,7 @@
                 <a:latin typeface="Gill Sans MT" panose="020B0502020104020203" pitchFamily="34" charset="0"/>
                 <a:ea typeface="Roboto" panose="02000000000000000000" pitchFamily="2" charset="0"/>
               </a:rPr>
-              <a:t>HEADING</a:t>
+              <a:t>Daily Forecasting</a:t>
             </a:r>
             <a:endParaRPr lang="en-US" sz="4800" dirty="0">
               <a:ln w="3175">
@@ -3140,77 +3761,6 @@
       <p:sp>
         <p:nvSpPr>
           <p:cNvPr id="2" name="Title 1"/>
-          <p:cNvSpPr>
-            <a:spLocks noGrp="1"/>
-          </p:cNvSpPr>
-          <p:nvPr>
-            <p:ph type="title" idx="4294967295"/>
-          </p:nvPr>
-        </p:nvSpPr>
-        <p:spPr>
-          <a:xfrm>
-            <a:off x="1117600" y="3171825"/>
-            <a:ext cx="10579100" cy="1069975"/>
-          </a:xfrm>
-          <a:prstGeom prst="rect">
-            <a:avLst/>
-          </a:prstGeom>
-        </p:spPr>
-        <p:txBody>
-          <a:bodyPr>
-            <a:normAutofit/>
-          </a:bodyPr>
-          <a:lstStyle/>
-          <a:p>
-            <a:r>
-              <a:rPr lang="en-US" dirty="0" smtClean="0">
-                <a:latin typeface="Roboto" panose="02000000000000000000" pitchFamily="2" charset="0"/>
-                <a:ea typeface="Roboto" panose="02000000000000000000" pitchFamily="2" charset="0"/>
-              </a:rPr>
-              <a:t>Further Inquiry</a:t>
-            </a:r>
-            <a:endParaRPr lang="en-US" dirty="0">
-              <a:latin typeface="Roboto" panose="02000000000000000000" pitchFamily="2" charset="0"/>
-              <a:ea typeface="Roboto" panose="02000000000000000000" pitchFamily="2" charset="0"/>
-            </a:endParaRPr>
-          </a:p>
-        </p:txBody>
-      </p:sp>
-      <p:sp>
-        <p:nvSpPr>
-          <p:cNvPr id="3" name="TextBox 2"/>
-          <p:cNvSpPr txBox="1"/>
-          <p:nvPr/>
-        </p:nvSpPr>
-        <p:spPr>
-          <a:xfrm>
-            <a:off x="1397000" y="4419600"/>
-            <a:ext cx="7607300" cy="646331"/>
-          </a:xfrm>
-          <a:prstGeom prst="rect">
-            <a:avLst/>
-          </a:prstGeom>
-          <a:noFill/>
-        </p:spPr>
-        <p:txBody>
-          <a:bodyPr wrap="square" rtlCol="0">
-            <a:spAutoFit/>
-          </a:bodyPr>
-          <a:lstStyle/>
-          <a:p>
-            <a:r>
-              <a:rPr lang="en-US" dirty="0" smtClean="0"/>
-              <a:t>Reporting bias – careful with policy</a:t>
-            </a:r>
-          </a:p>
-          <a:p>
-            <a:endParaRPr lang="en-US" dirty="0"/>
-          </a:p>
-        </p:txBody>
-      </p:sp>
-      <p:sp>
-        <p:nvSpPr>
-          <p:cNvPr id="5" name="Title 1"/>
           <p:cNvSpPr txBox="1">
             <a:spLocks/>
           </p:cNvSpPr>
@@ -3271,7 +3821,7 @@
                 <a:latin typeface="Gill Sans MT" panose="020B0502020104020203" pitchFamily="34" charset="0"/>
                 <a:ea typeface="Roboto" panose="02000000000000000000" pitchFamily="2" charset="0"/>
               </a:rPr>
-              <a:t>HEADING</a:t>
+              <a:t>Weekly Forecasting</a:t>
             </a:r>
             <a:endParaRPr lang="en-US" sz="4800" dirty="0">
               <a:ln w="3175">
@@ -3293,7 +3843,7 @@
     </p:spTree>
     <p:extLst>
       <p:ext uri="{BB962C8B-B14F-4D97-AF65-F5344CB8AC3E}">
-        <p14:creationId xmlns:p14="http://schemas.microsoft.com/office/powerpoint/2010/main" val="843328382"/>
+        <p14:creationId xmlns:p14="http://schemas.microsoft.com/office/powerpoint/2010/main" val="2032760189"/>
       </p:ext>
     </p:extLst>
   </p:cSld>
